--- a/docs/Képernyő tervek.pptx
+++ b/docs/Képernyő tervek.pptx
@@ -4906,8 +4906,8 @@
         </p:nvSpPr>
         <p:spPr>
           <a:xfrm>
-            <a:off x="9310990" y="1939886"/>
-            <a:ext cx="2362200" cy="1176337"/>
+            <a:off x="9310990" y="1939887"/>
+            <a:ext cx="2362200" cy="568422"/>
           </a:xfrm>
           <a:prstGeom prst="rect">
             <a:avLst/>
@@ -4951,8 +4951,8 @@
         </p:nvSpPr>
         <p:spPr>
           <a:xfrm>
-            <a:off x="9310990" y="3660696"/>
-            <a:ext cx="2362200" cy="1176337"/>
+            <a:off x="9310990" y="2853764"/>
+            <a:ext cx="2362200" cy="568424"/>
           </a:xfrm>
           <a:prstGeom prst="rect">
             <a:avLst/>
@@ -4984,7 +4984,7 @@
           <a:lstStyle/>
           <a:p>
             <a:pPr algn="ctr"/>
-            <a:endParaRPr lang="hu-HU"/>
+            <a:endParaRPr lang="hu-HU" dirty="0"/>
           </a:p>
         </p:txBody>
       </p:sp>
@@ -4998,8 +4998,8 @@
         </p:nvSpPr>
         <p:spPr>
           <a:xfrm>
-            <a:off x="9310990" y="3660695"/>
-            <a:ext cx="2362200" cy="1176337"/>
+            <a:off x="9310990" y="2853764"/>
+            <a:ext cx="2362200" cy="476665"/>
           </a:xfrm>
           <a:prstGeom prst="rect">
             <a:avLst/>
@@ -5178,6 +5178,10 @@
               <a:buFont typeface="Arial" panose="020B0604020202020204" pitchFamily="34" charset="0"/>
               <a:buNone/>
             </a:pPr>
+            <a:r>
+              <a:rPr lang="hu-HU" dirty="0" smtClean="0"/>
+              <a:t>Kereső</a:t>
+            </a:r>
             <a:endParaRPr lang="hu-HU" dirty="0"/>
           </a:p>
         </p:txBody>
@@ -5192,8 +5196,8 @@
         </p:nvSpPr>
         <p:spPr>
           <a:xfrm>
-            <a:off x="9310990" y="1939886"/>
-            <a:ext cx="2362200" cy="1176337"/>
+            <a:off x="9235489" y="1939886"/>
+            <a:ext cx="2362200" cy="568423"/>
           </a:xfrm>
           <a:prstGeom prst="rect">
             <a:avLst/>

--- a/docs/Képernyő tervek.pptx
+++ b/docs/Képernyő tervek.pptx
@@ -246,7 +246,7 @@
           <a:p>
             <a:fld id="{EC8B4DA1-D4CE-4E7D-A0E3-E5B8A136AE75}" type="datetimeFigureOut">
               <a:rPr lang="hu-HU" smtClean="0"/>
-              <a:t>2023. 03. 18.</a:t>
+              <a:t>2023. 03. 27.</a:t>
             </a:fld>
             <a:endParaRPr lang="hu-HU"/>
           </a:p>
@@ -416,7 +416,7 @@
           <a:p>
             <a:fld id="{EC8B4DA1-D4CE-4E7D-A0E3-E5B8A136AE75}" type="datetimeFigureOut">
               <a:rPr lang="hu-HU" smtClean="0"/>
-              <a:t>2023. 03. 18.</a:t>
+              <a:t>2023. 03. 27.</a:t>
             </a:fld>
             <a:endParaRPr lang="hu-HU"/>
           </a:p>
@@ -596,7 +596,7 @@
           <a:p>
             <a:fld id="{EC8B4DA1-D4CE-4E7D-A0E3-E5B8A136AE75}" type="datetimeFigureOut">
               <a:rPr lang="hu-HU" smtClean="0"/>
-              <a:t>2023. 03. 18.</a:t>
+              <a:t>2023. 03. 27.</a:t>
             </a:fld>
             <a:endParaRPr lang="hu-HU"/>
           </a:p>
@@ -766,7 +766,7 @@
           <a:p>
             <a:fld id="{EC8B4DA1-D4CE-4E7D-A0E3-E5B8A136AE75}" type="datetimeFigureOut">
               <a:rPr lang="hu-HU" smtClean="0"/>
-              <a:t>2023. 03. 18.</a:t>
+              <a:t>2023. 03. 27.</a:t>
             </a:fld>
             <a:endParaRPr lang="hu-HU"/>
           </a:p>
@@ -1012,7 +1012,7 @@
           <a:p>
             <a:fld id="{EC8B4DA1-D4CE-4E7D-A0E3-E5B8A136AE75}" type="datetimeFigureOut">
               <a:rPr lang="hu-HU" smtClean="0"/>
-              <a:t>2023. 03. 18.</a:t>
+              <a:t>2023. 03. 27.</a:t>
             </a:fld>
             <a:endParaRPr lang="hu-HU"/>
           </a:p>
@@ -1244,7 +1244,7 @@
           <a:p>
             <a:fld id="{EC8B4DA1-D4CE-4E7D-A0E3-E5B8A136AE75}" type="datetimeFigureOut">
               <a:rPr lang="hu-HU" smtClean="0"/>
-              <a:t>2023. 03. 18.</a:t>
+              <a:t>2023. 03. 27.</a:t>
             </a:fld>
             <a:endParaRPr lang="hu-HU"/>
           </a:p>
@@ -1611,7 +1611,7 @@
           <a:p>
             <a:fld id="{EC8B4DA1-D4CE-4E7D-A0E3-E5B8A136AE75}" type="datetimeFigureOut">
               <a:rPr lang="hu-HU" smtClean="0"/>
-              <a:t>2023. 03. 18.</a:t>
+              <a:t>2023. 03. 27.</a:t>
             </a:fld>
             <a:endParaRPr lang="hu-HU"/>
           </a:p>
@@ -1729,7 +1729,7 @@
           <a:p>
             <a:fld id="{EC8B4DA1-D4CE-4E7D-A0E3-E5B8A136AE75}" type="datetimeFigureOut">
               <a:rPr lang="hu-HU" smtClean="0"/>
-              <a:t>2023. 03. 18.</a:t>
+              <a:t>2023. 03. 27.</a:t>
             </a:fld>
             <a:endParaRPr lang="hu-HU"/>
           </a:p>
@@ -1824,7 +1824,7 @@
           <a:p>
             <a:fld id="{EC8B4DA1-D4CE-4E7D-A0E3-E5B8A136AE75}" type="datetimeFigureOut">
               <a:rPr lang="hu-HU" smtClean="0"/>
-              <a:t>2023. 03. 18.</a:t>
+              <a:t>2023. 03. 27.</a:t>
             </a:fld>
             <a:endParaRPr lang="hu-HU"/>
           </a:p>
@@ -2101,7 +2101,7 @@
           <a:p>
             <a:fld id="{EC8B4DA1-D4CE-4E7D-A0E3-E5B8A136AE75}" type="datetimeFigureOut">
               <a:rPr lang="hu-HU" smtClean="0"/>
-              <a:t>2023. 03. 18.</a:t>
+              <a:t>2023. 03. 27.</a:t>
             </a:fld>
             <a:endParaRPr lang="hu-HU"/>
           </a:p>
@@ -2354,7 +2354,7 @@
           <a:p>
             <a:fld id="{EC8B4DA1-D4CE-4E7D-A0E3-E5B8A136AE75}" type="datetimeFigureOut">
               <a:rPr lang="hu-HU" smtClean="0"/>
-              <a:t>2023. 03. 18.</a:t>
+              <a:t>2023. 03. 27.</a:t>
             </a:fld>
             <a:endParaRPr lang="hu-HU"/>
           </a:p>
@@ -2567,7 +2567,7 @@
           <a:p>
             <a:fld id="{EC8B4DA1-D4CE-4E7D-A0E3-E5B8A136AE75}" type="datetimeFigureOut">
               <a:rPr lang="hu-HU" smtClean="0"/>
-              <a:t>2023. 03. 18.</a:t>
+              <a:t>2023. 03. 27.</a:t>
             </a:fld>
             <a:endParaRPr lang="hu-HU"/>
           </a:p>
@@ -5436,7 +5436,7 @@
         </p:nvSpPr>
         <p:spPr>
           <a:xfrm>
-            <a:off x="8820148" y="5044178"/>
+            <a:off x="8820148" y="6010144"/>
             <a:ext cx="3114676" cy="654341"/>
           </a:xfrm>
           <a:prstGeom prst="rect">
@@ -5533,7 +5533,7 @@
         </p:nvSpPr>
         <p:spPr>
           <a:xfrm>
-            <a:off x="8820149" y="2035970"/>
+            <a:off x="8820148" y="2300289"/>
             <a:ext cx="3114676" cy="633411"/>
           </a:xfrm>
           <a:prstGeom prst="rect">
@@ -5578,7 +5578,7 @@
         </p:nvSpPr>
         <p:spPr>
           <a:xfrm>
-            <a:off x="8820149" y="3026010"/>
+            <a:off x="8820148" y="3522744"/>
             <a:ext cx="3114676" cy="633411"/>
           </a:xfrm>
           <a:prstGeom prst="rect">
@@ -5623,7 +5623,7 @@
         </p:nvSpPr>
         <p:spPr>
           <a:xfrm>
-            <a:off x="8820149" y="3993360"/>
+            <a:off x="8820148" y="4767286"/>
             <a:ext cx="3114676" cy="633411"/>
           </a:xfrm>
           <a:prstGeom prst="rect">
@@ -5668,7 +5668,7 @@
         </p:nvSpPr>
         <p:spPr>
           <a:xfrm>
-            <a:off x="4798217" y="2181225"/>
+            <a:off x="4798217" y="2684543"/>
             <a:ext cx="3348038" cy="1471612"/>
           </a:xfrm>
           <a:prstGeom prst="rect">
@@ -5713,7 +5713,7 @@
         </p:nvSpPr>
         <p:spPr>
           <a:xfrm>
-            <a:off x="4798217" y="4224338"/>
+            <a:off x="4798217" y="5197636"/>
             <a:ext cx="3348038" cy="1471612"/>
           </a:xfrm>
           <a:prstGeom prst="rect">
@@ -5758,7 +5758,7 @@
         </p:nvSpPr>
         <p:spPr>
           <a:xfrm>
-            <a:off x="4798217" y="171450"/>
+            <a:off x="4798217" y="129505"/>
             <a:ext cx="3348038" cy="1471612"/>
           </a:xfrm>
           <a:prstGeom prst="rect">
@@ -6124,7 +6124,7 @@
         <p:spPr>
           <a:xfrm>
             <a:off x="247650" y="171450"/>
-            <a:ext cx="3228975" cy="5524500"/>
+            <a:ext cx="3228975" cy="6497798"/>
           </a:xfrm>
           <a:prstGeom prst="rect">
             <a:avLst/>
@@ -6577,7 +6577,7 @@
         </p:nvSpPr>
         <p:spPr>
           <a:xfrm>
-            <a:off x="4798217" y="2181223"/>
+            <a:off x="4798217" y="2669381"/>
             <a:ext cx="3348038" cy="1471613"/>
           </a:xfrm>
           <a:prstGeom prst="rect">
@@ -6775,7 +6775,7 @@
         </p:nvSpPr>
         <p:spPr>
           <a:xfrm>
-            <a:off x="4798217" y="4229100"/>
+            <a:off x="4798217" y="5197635"/>
             <a:ext cx="3348038" cy="1466850"/>
           </a:xfrm>
           <a:prstGeom prst="rect">
@@ -6977,7 +6977,7 @@
         </p:nvSpPr>
         <p:spPr>
           <a:xfrm>
-            <a:off x="8820148" y="3991604"/>
+            <a:off x="8820148" y="4767285"/>
             <a:ext cx="3114676" cy="633411"/>
           </a:xfrm>
           <a:prstGeom prst="rect">
@@ -7158,7 +7158,7 @@
               <a:buNone/>
             </a:pPr>
             <a:r>
-              <a:rPr lang="hu-HU" sz="2000" smtClean="0"/>
+              <a:rPr lang="hu-HU" sz="2000" dirty="0" smtClean="0"/>
               <a:t>SEZ</a:t>
             </a:r>
             <a:endParaRPr lang="hu-HU" sz="2000" dirty="0"/>
@@ -7372,7 +7372,7 @@
         </p:nvSpPr>
         <p:spPr>
           <a:xfrm>
-            <a:off x="8820148" y="2035969"/>
+            <a:off x="8820148" y="2300288"/>
             <a:ext cx="3114677" cy="633412"/>
           </a:xfrm>
           <a:prstGeom prst="rect">
@@ -7570,7 +7570,7 @@
         </p:nvSpPr>
         <p:spPr>
           <a:xfrm>
-            <a:off x="8820149" y="3027199"/>
+            <a:off x="8820148" y="3515733"/>
             <a:ext cx="3114676" cy="631032"/>
           </a:xfrm>
           <a:prstGeom prst="rect">
